--- a/DevSecOpsPipline.pptx
+++ b/DevSecOpsPipline.pptx
@@ -5579,7 +5579,7 @@
         </p:nvSpPr>
         <p:spPr>
           <a:xfrm>
-            <a:off x="1243602" y="1366106"/>
+            <a:off x="1144012" y="1378806"/>
             <a:ext cx="1308000" cy="597600"/>
           </a:xfrm>
           <a:prstGeom prst="rect">
@@ -5803,8 +5803,8 @@
         </p:nvCxnSpPr>
         <p:spPr>
           <a:xfrm rot="16200000" flipH="1">
-            <a:off x="863423" y="1284726"/>
-            <a:ext cx="468181" cy="292178"/>
+            <a:off x="807278" y="1340871"/>
+            <a:ext cx="480881" cy="192588"/>
           </a:xfrm>
           <a:prstGeom prst="bentConnector2">
             <a:avLst/>
@@ -5826,15 +5826,15 @@
           <p:cNvPr id="60" name="Google Shape;60;p13"/>
           <p:cNvCxnSpPr>
             <a:cxnSpLocks/>
-            <a:stCxn id="58" idx="3"/>
+            <a:stCxn id="29" idx="3"/>
             <a:endCxn id="56" idx="2"/>
           </p:cNvCxnSpPr>
           <p:nvPr/>
         </p:nvCxnSpPr>
         <p:spPr>
           <a:xfrm flipV="1">
-            <a:off x="1606375" y="1970056"/>
-            <a:ext cx="4023379" cy="1001044"/>
+            <a:off x="4281433" y="1970056"/>
+            <a:ext cx="1348321" cy="994694"/>
           </a:xfrm>
           <a:prstGeom prst="bentConnector2">
             <a:avLst/>
@@ -5862,41 +5862,9 @@
           <p:nvPr/>
         </p:nvCxnSpPr>
         <p:spPr>
-          <a:xfrm>
-            <a:off x="2551602" y="1664906"/>
-            <a:ext cx="421831" cy="12700"/>
-          </a:xfrm>
-          <a:prstGeom prst="bentConnector3">
-            <a:avLst>
-              <a:gd name="adj1" fmla="val 50000"/>
-            </a:avLst>
-          </a:prstGeom>
-          <a:noFill/>
-          <a:ln w="9525" cap="flat" cmpd="sng">
-            <a:solidFill>
-              <a:schemeClr val="dk2"/>
-            </a:solidFill>
-            <a:prstDash val="solid"/>
-            <a:round/>
-            <a:headEnd type="none" w="med" len="med"/>
-            <a:tailEnd type="triangle" w="med" len="med"/>
-          </a:ln>
-        </p:spPr>
-      </p:cxnSp>
-      <p:cxnSp>
-        <p:nvCxnSpPr>
-          <p:cNvPr id="62" name="Google Shape;62;p13"/>
-          <p:cNvCxnSpPr>
-            <a:cxnSpLocks/>
-            <a:stCxn id="56" idx="3"/>
-            <a:endCxn id="29" idx="1"/>
-          </p:cNvCxnSpPr>
-          <p:nvPr/>
-        </p:nvCxnSpPr>
-        <p:spPr>
           <a:xfrm flipV="1">
-            <a:off x="6283754" y="1132015"/>
-            <a:ext cx="694321" cy="539241"/>
+            <a:off x="2452012" y="1664906"/>
+            <a:ext cx="521421" cy="12700"/>
           </a:xfrm>
           <a:prstGeom prst="bentConnector3">
             <a:avLst>
@@ -5936,7 +5904,10 @@
             <a:avLst/>
           </a:prstGeom>
           <a:solidFill>
-            <a:srgbClr val="CFE2F3"/>
+            <a:schemeClr val="accent5">
+              <a:lumMod val="60000"/>
+              <a:lumOff val="40000"/>
+            </a:schemeClr>
           </a:solidFill>
           <a:ln>
             <a:noFill/>
@@ -5958,8 +5929,12 @@
               <a:buNone/>
             </a:pPr>
             <a:r>
+              <a:rPr lang="en-US" sz="1000" dirty="0" err="1"/>
+              <a:t>Snyk</a:t>
+            </a:r>
+            <a:r>
               <a:rPr lang="en-US" sz="1000" dirty="0"/>
-              <a:t>AMI/Container Image Scanning</a:t>
+              <a:t>: AMI/Container Image Scanning</a:t>
             </a:r>
             <a:endParaRPr sz="1000" dirty="0"/>
           </a:p>
@@ -6017,14 +5992,17 @@
         </p:nvSpPr>
         <p:spPr>
           <a:xfrm>
-            <a:off x="6978075" y="833215"/>
+            <a:off x="2973433" y="2665950"/>
             <a:ext cx="1308000" cy="597600"/>
           </a:xfrm>
           <a:prstGeom prst="rect">
             <a:avLst/>
           </a:prstGeom>
           <a:solidFill>
-            <a:srgbClr val="CFE2F3"/>
+            <a:schemeClr val="accent5">
+              <a:lumMod val="60000"/>
+              <a:lumOff val="40000"/>
+            </a:schemeClr>
           </a:solidFill>
           <a:ln>
             <a:noFill/>
@@ -6046,8 +6024,12 @@
               <a:buNone/>
             </a:pPr>
             <a:r>
+              <a:rPr lang="en-US" sz="1000" dirty="0" err="1"/>
+              <a:t>CloudSploit</a:t>
+            </a:r>
+            <a:r>
               <a:rPr lang="en-US" sz="1000" dirty="0"/>
-              <a:t>Infrastructure as code compliance scanning</a:t>
+              <a:t>: Infrastructure as code compliance scanning</a:t>
             </a:r>
             <a:endParaRPr sz="1000" dirty="0"/>
           </a:p>
@@ -6152,20 +6134,55 @@
           </p:cNvPr>
           <p:cNvCxnSpPr>
             <a:cxnSpLocks/>
-            <a:stCxn id="29" idx="2"/>
+            <a:stCxn id="58" idx="3"/>
+            <a:endCxn id="29" idx="1"/>
+          </p:cNvCxnSpPr>
+          <p:nvPr/>
+        </p:nvCxnSpPr>
+        <p:spPr>
+          <a:xfrm flipV="1">
+            <a:off x="1606375" y="2964750"/>
+            <a:ext cx="1367058" cy="6350"/>
+          </a:xfrm>
+          <a:prstGeom prst="bentConnector3">
+            <a:avLst>
+              <a:gd name="adj1" fmla="val 50000"/>
+            </a:avLst>
+          </a:prstGeom>
+          <a:noFill/>
+          <a:ln w="9525" cap="flat" cmpd="sng">
+            <a:solidFill>
+              <a:schemeClr val="dk2"/>
+            </a:solidFill>
+            <a:prstDash val="solid"/>
+            <a:round/>
+            <a:headEnd type="none" w="med" len="med"/>
+            <a:tailEnd type="triangle" w="med" len="med"/>
+          </a:ln>
+        </p:spPr>
+      </p:cxnSp>
+      <p:cxnSp>
+        <p:nvCxnSpPr>
+          <p:cNvPr id="21" name="Google Shape;61;p13">
+            <a:extLst>
+              <a:ext uri="{FF2B5EF4-FFF2-40B4-BE49-F238E27FC236}">
+                <a16:creationId xmlns:a16="http://schemas.microsoft.com/office/drawing/2014/main" id="{0E6AF128-5ACC-4C24-A8EF-540337394EA3}"/>
+              </a:ext>
+            </a:extLst>
+          </p:cNvPr>
+          <p:cNvCxnSpPr>
+            <a:cxnSpLocks/>
             <a:endCxn id="55" idx="0"/>
           </p:cNvCxnSpPr>
           <p:nvPr/>
         </p:nvCxnSpPr>
         <p:spPr>
-          <a:xfrm rot="16200000" flipH="1">
-            <a:off x="7294945" y="1767945"/>
-            <a:ext cx="680610" cy="6350"/>
+          <a:xfrm>
+            <a:off x="6283754" y="1677606"/>
+            <a:ext cx="1354671" cy="433819"/>
           </a:xfrm>
-          <a:prstGeom prst="bentConnector3">
-            <a:avLst>
-              <a:gd name="adj1" fmla="val 50000"/>
-            </a:avLst>
+          <a:prstGeom prst="bentConnector2">
+            <a:avLst/>
           </a:prstGeom>
           <a:noFill/>
           <a:ln w="9525" cap="flat" cmpd="sng">
